--- a/images/cometlogo.pptx
+++ b/images/cometlogo.pptx
@@ -3495,7 +3495,9 @@
             <a:noFill/>
             <a:ln w="9525">
               <a:solidFill>
-                <a:schemeClr val="bg1"/>
+                <a:schemeClr val="bg1">
+                  <a:lumMod val="85000"/>
+                </a:schemeClr>
               </a:solidFill>
             </a:ln>
           </p:spPr>
